--- a/WAD/lectures/070--CSS.Div.Layout.pptx
+++ b/WAD/lectures/070--CSS.Div.Layout.pptx
@@ -5,7 +5,7 @@
     <p:sldMasterId id="2147483648" r:id="rId1"/>
   </p:sldMasterIdLst>
   <p:notesMasterIdLst>
-    <p:notesMasterId r:id="rId59"/>
+    <p:notesMasterId r:id="rId60"/>
   </p:notesMasterIdLst>
   <p:sldIdLst>
     <p:sldId id="256" r:id="rId2"/>
@@ -62,9 +62,10 @@
     <p:sldId id="313" r:id="rId53"/>
     <p:sldId id="300" r:id="rId54"/>
     <p:sldId id="312" r:id="rId55"/>
-    <p:sldId id="302" r:id="rId56"/>
+    <p:sldId id="316" r:id="rId56"/>
     <p:sldId id="303" r:id="rId57"/>
     <p:sldId id="304" r:id="rId58"/>
+    <p:sldId id="302" r:id="rId59"/>
   </p:sldIdLst>
   <p:sldSz cx="9144000" cy="6858000" type="screen4x3"/>
   <p:notesSz cx="6858000" cy="9144000"/>
@@ -10059,7 +10060,7 @@
             <a:fld id="{D1BAA105-A136-41EE-AA06-56C752BA0C61}" type="slidenum">
               <a:rPr lang="en-US" altLang="en-US" sz="1200"/>
               <a:pPr/>
-              <a:t>55</a:t>
+              <a:t>58</a:t>
             </a:fld>
             <a:endParaRPr lang="en-US" altLang="en-US" sz="1200"/>
           </a:p>
@@ -32563,7 +32564,6 @@
               <a:rPr lang="en-GB" altLang="en-US" dirty="0" smtClean="0"/>
               <a:t>Write down on a piece of paper the HTML to display the following table:</a:t>
             </a:r>
-            <a:endParaRPr lang="en-GB" altLang="en-US" dirty="0" smtClean="0"/>
           </a:p>
           <a:p>
             <a:pPr marL="0" indent="0">
@@ -32577,15 +32577,7 @@
             </a:r>
             <a:r>
               <a:rPr lang="en-GB" altLang="en-US" dirty="0" smtClean="0"/>
-              <a:t>  (</a:t>
-            </a:r>
-            <a:r>
-              <a:rPr lang="en-GB" altLang="en-US" dirty="0" smtClean="0"/>
-              <a:t>5 Minutes</a:t>
-            </a:r>
-            <a:r>
-              <a:rPr lang="en-GB" altLang="en-US" dirty="0" smtClean="0"/>
-              <a:t>)</a:t>
+              <a:t>  (5 Minutes)</a:t>
             </a:r>
           </a:p>
         </p:txBody>
@@ -41736,15 +41728,7 @@
                   <a:schemeClr val="bg2"/>
                 </a:solidFill>
               </a:rPr>
-              <a:t> </a:t>
-            </a:r>
-            <a:r>
-              <a:rPr lang="en-US" dirty="0" smtClean="0">
-                <a:solidFill>
-                  <a:schemeClr val="bg2"/>
-                </a:solidFill>
-              </a:rPr>
-              <a:t> </a:t>
+              <a:t>  </a:t>
             </a:r>
             <a:r>
               <a:rPr lang="en-US" sz="1600" dirty="0" smtClean="0">
@@ -41821,28 +41805,35 @@
       </p:pic>
       <p:pic>
         <p:nvPicPr>
-          <p:cNvPr id="75780" name="Picture 4" descr="Image result for amazing website"/>
+          <p:cNvPr id="76802" name="Picture 2"/>
           <p:cNvPicPr>
             <a:picLocks noChangeAspect="1" noChangeArrowheads="1"/>
           </p:cNvPicPr>
           <p:nvPr/>
         </p:nvPicPr>
         <p:blipFill>
-          <a:blip r:embed="rId4"/>
-          <a:srcRect l="24000" r="17333"/>
+          <a:blip r:embed="rId4" cstate="print"/>
+          <a:srcRect/>
           <a:stretch>
             <a:fillRect/>
           </a:stretch>
         </p:blipFill>
         <p:spPr bwMode="auto">
           <a:xfrm>
-            <a:off x="2895600" y="5162549"/>
-            <a:ext cx="1676400" cy="1390651"/>
+            <a:off x="2819400" y="5105400"/>
+            <a:ext cx="1676400" cy="1546014"/>
           </a:xfrm>
           <a:prstGeom prst="rect">
             <a:avLst/>
           </a:prstGeom>
           <a:noFill/>
+          <a:ln w="9525">
+            <a:noFill/>
+            <a:miter lim="800000"/>
+            <a:headEnd/>
+            <a:tailEnd/>
+          </a:ln>
+          <a:effectLst/>
         </p:spPr>
       </p:pic>
     </p:spTree>
@@ -41861,6 +41852,452 @@
 </file>
 
 <file path=ppt/slides/slide55.xml><?xml version="1.0" encoding="utf-8"?>
+<p:sld xmlns:a="http://schemas.openxmlformats.org/drawingml/2006/main" xmlns:r="http://schemas.openxmlformats.org/officeDocument/2006/relationships" xmlns:p="http://schemas.openxmlformats.org/presentationml/2006/main">
+  <p:cSld>
+    <p:spTree>
+      <p:nvGrpSpPr>
+        <p:cNvPr id="1" name=""/>
+        <p:cNvGrpSpPr/>
+        <p:nvPr/>
+      </p:nvGrpSpPr>
+      <p:grpSpPr>
+        <a:xfrm>
+          <a:off x="0" y="0"/>
+          <a:ext cx="0" cy="0"/>
+          <a:chOff x="0" y="0"/>
+          <a:chExt cx="0" cy="0"/>
+        </a:xfrm>
+      </p:grpSpPr>
+      <p:sp>
+        <p:nvSpPr>
+          <p:cNvPr id="2" name="Title 1"/>
+          <p:cNvSpPr>
+            <a:spLocks noGrp="1"/>
+          </p:cNvSpPr>
+          <p:nvPr>
+            <p:ph type="title"/>
+          </p:nvPr>
+        </p:nvSpPr>
+        <p:spPr/>
+        <p:txBody>
+          <a:bodyPr/>
+          <a:lstStyle/>
+          <a:p>
+            <a:r>
+              <a:rPr lang="en-US" dirty="0" smtClean="0"/>
+              <a:t>Puzzle to Solve for Next Week</a:t>
+            </a:r>
+            <a:endParaRPr lang="en-US" dirty="0"/>
+          </a:p>
+        </p:txBody>
+      </p:sp>
+      <p:sp>
+        <p:nvSpPr>
+          <p:cNvPr id="3" name="Content Placeholder 2"/>
+          <p:cNvSpPr>
+            <a:spLocks noGrp="1"/>
+          </p:cNvSpPr>
+          <p:nvPr>
+            <p:ph idx="1"/>
+          </p:nvPr>
+        </p:nvSpPr>
+        <p:spPr/>
+        <p:txBody>
+          <a:bodyPr/>
+          <a:lstStyle/>
+          <a:p>
+            <a:endParaRPr lang="en-US" dirty="0"/>
+          </a:p>
+        </p:txBody>
+      </p:sp>
+      <p:pic>
+        <p:nvPicPr>
+          <p:cNvPr id="76802" name="Picture 2"/>
+          <p:cNvPicPr>
+            <a:picLocks noChangeAspect="1" noChangeArrowheads="1"/>
+          </p:cNvPicPr>
+          <p:nvPr/>
+        </p:nvPicPr>
+        <p:blipFill>
+          <a:blip r:embed="rId2"/>
+          <a:srcRect/>
+          <a:stretch>
+            <a:fillRect/>
+          </a:stretch>
+        </p:blipFill>
+        <p:spPr bwMode="auto">
+          <a:xfrm>
+            <a:off x="533400" y="1981200"/>
+            <a:ext cx="3943350" cy="3952875"/>
+          </a:xfrm>
+          <a:prstGeom prst="rect">
+            <a:avLst/>
+          </a:prstGeom>
+          <a:noFill/>
+          <a:ln w="9525">
+            <a:noFill/>
+            <a:miter lim="800000"/>
+            <a:headEnd/>
+            <a:tailEnd/>
+          </a:ln>
+          <a:effectLst/>
+        </p:spPr>
+      </p:pic>
+      <p:pic>
+        <p:nvPicPr>
+          <p:cNvPr id="76803" name="Picture 3"/>
+          <p:cNvPicPr>
+            <a:picLocks noChangeAspect="1" noChangeArrowheads="1"/>
+          </p:cNvPicPr>
+          <p:nvPr/>
+        </p:nvPicPr>
+        <p:blipFill>
+          <a:blip r:embed="rId3"/>
+          <a:srcRect/>
+          <a:stretch>
+            <a:fillRect/>
+          </a:stretch>
+        </p:blipFill>
+        <p:spPr bwMode="auto">
+          <a:xfrm>
+            <a:off x="4724400" y="1981200"/>
+            <a:ext cx="3743325" cy="1924050"/>
+          </a:xfrm>
+          <a:prstGeom prst="rect">
+            <a:avLst/>
+          </a:prstGeom>
+          <a:noFill/>
+          <a:ln w="9525">
+            <a:noFill/>
+            <a:miter lim="800000"/>
+            <a:headEnd/>
+            <a:tailEnd/>
+          </a:ln>
+          <a:effectLst/>
+        </p:spPr>
+      </p:pic>
+      <p:pic>
+        <p:nvPicPr>
+          <p:cNvPr id="76804" name="Picture 4"/>
+          <p:cNvPicPr>
+            <a:picLocks noChangeAspect="1" noChangeArrowheads="1"/>
+          </p:cNvPicPr>
+          <p:nvPr/>
+        </p:nvPicPr>
+        <p:blipFill>
+          <a:blip r:embed="rId4"/>
+          <a:srcRect/>
+          <a:stretch>
+            <a:fillRect/>
+          </a:stretch>
+        </p:blipFill>
+        <p:spPr bwMode="auto">
+          <a:xfrm>
+            <a:off x="4724400" y="4419600"/>
+            <a:ext cx="3648075" cy="1123950"/>
+          </a:xfrm>
+          <a:prstGeom prst="rect">
+            <a:avLst/>
+          </a:prstGeom>
+          <a:noFill/>
+          <a:ln w="9525">
+            <a:noFill/>
+            <a:miter lim="800000"/>
+            <a:headEnd/>
+            <a:tailEnd/>
+          </a:ln>
+          <a:effectLst/>
+        </p:spPr>
+      </p:pic>
+      <p:sp>
+        <p:nvSpPr>
+          <p:cNvPr id="7" name="TextBox 6"/>
+          <p:cNvSpPr txBox="1"/>
+          <p:nvPr/>
+        </p:nvSpPr>
+        <p:spPr>
+          <a:xfrm>
+            <a:off x="457200" y="6248400"/>
+            <a:ext cx="8347542" cy="400110"/>
+          </a:xfrm>
+          <a:prstGeom prst="rect">
+            <a:avLst/>
+          </a:prstGeom>
+          <a:noFill/>
+        </p:spPr>
+        <p:txBody>
+          <a:bodyPr wrap="none" rtlCol="0">
+            <a:spAutoFit/>
+          </a:bodyPr>
+          <a:lstStyle/>
+          <a:p>
+            <a:r>
+              <a:rPr lang="en-US" sz="2000" b="1" dirty="0" smtClean="0">
+                <a:solidFill>
+                  <a:srgbClr val="E62D33"/>
+                </a:solidFill>
+              </a:rPr>
+              <a:t>Print out/or copy out your answers and bring them with you for next lesson</a:t>
+            </a:r>
+            <a:endParaRPr lang="en-US" sz="2000" b="1" dirty="0">
+              <a:solidFill>
+                <a:srgbClr val="E62D33"/>
+              </a:solidFill>
+            </a:endParaRPr>
+          </a:p>
+        </p:txBody>
+      </p:sp>
+    </p:spTree>
+  </p:cSld>
+  <p:clrMapOvr>
+    <a:masterClrMapping/>
+  </p:clrMapOvr>
+  <p:timing>
+    <p:tnLst>
+      <p:par>
+        <p:cTn id="1" dur="indefinite" restart="never" nodeType="tmRoot"/>
+      </p:par>
+    </p:tnLst>
+  </p:timing>
+</p:sld>
+</file>
+
+<file path=ppt/slides/slide56.xml><?xml version="1.0" encoding="utf-8"?>
+<p:sld xmlns:a="http://schemas.openxmlformats.org/drawingml/2006/main" xmlns:r="http://schemas.openxmlformats.org/officeDocument/2006/relationships" xmlns:p="http://schemas.openxmlformats.org/presentationml/2006/main">
+  <p:cSld>
+    <p:spTree>
+      <p:nvGrpSpPr>
+        <p:cNvPr id="1" name=""/>
+        <p:cNvGrpSpPr/>
+        <p:nvPr/>
+      </p:nvGrpSpPr>
+      <p:grpSpPr>
+        <a:xfrm>
+          <a:off x="0" y="0"/>
+          <a:ext cx="0" cy="0"/>
+          <a:chOff x="0" y="0"/>
+          <a:chExt cx="0" cy="0"/>
+        </a:xfrm>
+      </p:grpSpPr>
+      <p:sp>
+        <p:nvSpPr>
+          <p:cNvPr id="2" name="Title 1"/>
+          <p:cNvSpPr>
+            <a:spLocks noGrp="1"/>
+          </p:cNvSpPr>
+          <p:nvPr>
+            <p:ph type="title"/>
+          </p:nvPr>
+        </p:nvSpPr>
+        <p:spPr/>
+        <p:txBody>
+          <a:bodyPr/>
+          <a:lstStyle/>
+          <a:p>
+            <a:r>
+              <a:rPr lang="en-US" dirty="0" smtClean="0"/>
+              <a:t>Question</a:t>
+            </a:r>
+            <a:endParaRPr lang="en-US" dirty="0"/>
+          </a:p>
+        </p:txBody>
+      </p:sp>
+      <p:sp>
+        <p:nvSpPr>
+          <p:cNvPr id="3" name="Content Placeholder 2"/>
+          <p:cNvSpPr>
+            <a:spLocks noGrp="1"/>
+          </p:cNvSpPr>
+          <p:nvPr>
+            <p:ph idx="1"/>
+          </p:nvPr>
+        </p:nvSpPr>
+        <p:spPr/>
+        <p:txBody>
+          <a:bodyPr/>
+          <a:lstStyle/>
+          <a:p>
+            <a:r>
+              <a:rPr lang="en-US" dirty="0" smtClean="0"/>
+              <a:t>Write down the html/</a:t>
+            </a:r>
+            <a:r>
+              <a:rPr lang="en-US" dirty="0" err="1" smtClean="0"/>
+              <a:t>css</a:t>
+            </a:r>
+            <a:r>
+              <a:rPr lang="en-US" dirty="0" smtClean="0"/>
+              <a:t> to create the following output:</a:t>
+            </a:r>
+          </a:p>
+          <a:p>
+            <a:pPr>
+              <a:buNone/>
+            </a:pPr>
+            <a:r>
+              <a:rPr lang="en-US" dirty="0" smtClean="0"/>
+              <a:t>   (5 minutes)</a:t>
+            </a:r>
+            <a:endParaRPr lang="en-US" dirty="0"/>
+          </a:p>
+        </p:txBody>
+      </p:sp>
+      <p:pic>
+        <p:nvPicPr>
+          <p:cNvPr id="68610" name="Picture 2"/>
+          <p:cNvPicPr>
+            <a:picLocks noChangeAspect="1" noChangeArrowheads="1"/>
+          </p:cNvPicPr>
+          <p:nvPr/>
+        </p:nvPicPr>
+        <p:blipFill>
+          <a:blip r:embed="rId2"/>
+          <a:srcRect/>
+          <a:stretch>
+            <a:fillRect/>
+          </a:stretch>
+        </p:blipFill>
+        <p:spPr bwMode="auto">
+          <a:xfrm>
+            <a:off x="2590800" y="3810000"/>
+            <a:ext cx="3810000" cy="2095500"/>
+          </a:xfrm>
+          <a:prstGeom prst="rect">
+            <a:avLst/>
+          </a:prstGeom>
+          <a:noFill/>
+          <a:ln w="9525">
+            <a:noFill/>
+            <a:miter lim="800000"/>
+            <a:headEnd/>
+            <a:tailEnd/>
+          </a:ln>
+          <a:effectLst/>
+        </p:spPr>
+      </p:pic>
+    </p:spTree>
+  </p:cSld>
+  <p:clrMapOvr>
+    <a:masterClrMapping/>
+  </p:clrMapOvr>
+  <p:timing>
+    <p:tnLst>
+      <p:par>
+        <p:cTn id="1" dur="indefinite" restart="never" nodeType="tmRoot"/>
+      </p:par>
+    </p:tnLst>
+  </p:timing>
+</p:sld>
+</file>
+
+<file path=ppt/slides/slide57.xml><?xml version="1.0" encoding="utf-8"?>
+<p:sld xmlns:a="http://schemas.openxmlformats.org/drawingml/2006/main" xmlns:r="http://schemas.openxmlformats.org/officeDocument/2006/relationships" xmlns:p="http://schemas.openxmlformats.org/presentationml/2006/main">
+  <p:cSld>
+    <p:spTree>
+      <p:nvGrpSpPr>
+        <p:cNvPr id="1" name=""/>
+        <p:cNvGrpSpPr/>
+        <p:nvPr/>
+      </p:nvGrpSpPr>
+      <p:grpSpPr>
+        <a:xfrm>
+          <a:off x="0" y="0"/>
+          <a:ext cx="0" cy="0"/>
+          <a:chOff x="0" y="0"/>
+          <a:chExt cx="0" cy="0"/>
+        </a:xfrm>
+      </p:grpSpPr>
+      <p:sp>
+        <p:nvSpPr>
+          <p:cNvPr id="2" name="Title 1"/>
+          <p:cNvSpPr>
+            <a:spLocks noGrp="1"/>
+          </p:cNvSpPr>
+          <p:nvPr>
+            <p:ph type="title"/>
+          </p:nvPr>
+        </p:nvSpPr>
+        <p:spPr/>
+        <p:txBody>
+          <a:bodyPr/>
+          <a:lstStyle/>
+          <a:p>
+            <a:r>
+              <a:rPr lang="en-US" dirty="0" smtClean="0"/>
+              <a:t>Answer</a:t>
+            </a:r>
+            <a:endParaRPr lang="en-US" dirty="0"/>
+          </a:p>
+        </p:txBody>
+      </p:sp>
+      <p:sp>
+        <p:nvSpPr>
+          <p:cNvPr id="3" name="Content Placeholder 2"/>
+          <p:cNvSpPr>
+            <a:spLocks noGrp="1"/>
+          </p:cNvSpPr>
+          <p:nvPr>
+            <p:ph idx="1"/>
+          </p:nvPr>
+        </p:nvSpPr>
+        <p:spPr/>
+        <p:txBody>
+          <a:bodyPr/>
+          <a:lstStyle/>
+          <a:p>
+            <a:endParaRPr lang="en-US"/>
+          </a:p>
+        </p:txBody>
+      </p:sp>
+      <p:pic>
+        <p:nvPicPr>
+          <p:cNvPr id="69634" name="Picture 2"/>
+          <p:cNvPicPr>
+            <a:picLocks noChangeAspect="1" noChangeArrowheads="1"/>
+          </p:cNvPicPr>
+          <p:nvPr/>
+        </p:nvPicPr>
+        <p:blipFill>
+          <a:blip r:embed="rId2"/>
+          <a:srcRect/>
+          <a:stretch>
+            <a:fillRect/>
+          </a:stretch>
+        </p:blipFill>
+        <p:spPr bwMode="auto">
+          <a:xfrm>
+            <a:off x="3276600" y="1981200"/>
+            <a:ext cx="2514600" cy="4171950"/>
+          </a:xfrm>
+          <a:prstGeom prst="rect">
+            <a:avLst/>
+          </a:prstGeom>
+          <a:noFill/>
+          <a:ln w="9525">
+            <a:noFill/>
+            <a:miter lim="800000"/>
+            <a:headEnd/>
+            <a:tailEnd/>
+          </a:ln>
+          <a:effectLst/>
+        </p:spPr>
+      </p:pic>
+    </p:spTree>
+  </p:cSld>
+  <p:clrMapOvr>
+    <a:masterClrMapping/>
+  </p:clrMapOvr>
+  <p:timing>
+    <p:tnLst>
+      <p:par>
+        <p:cTn id="1" dur="indefinite" restart="never" nodeType="tmRoot"/>
+      </p:par>
+    </p:tnLst>
+  </p:timing>
+</p:sld>
+</file>
+
+<file path=ppt/slides/slide58.xml><?xml version="1.0" encoding="utf-8"?>
 <p:sld xmlns:a="http://schemas.openxmlformats.org/drawingml/2006/main" xmlns:r="http://schemas.openxmlformats.org/officeDocument/2006/relationships" xmlns:p="http://schemas.openxmlformats.org/presentationml/2006/main">
   <p:cSld>
     <p:spTree>
@@ -42254,227 +42691,6 @@
       </p:par>
     </p:tnLst>
   </p:timing>
-</p:sld>
-</file>
-
-<file path=ppt/slides/slide56.xml><?xml version="1.0" encoding="utf-8"?>
-<p:sld xmlns:a="http://schemas.openxmlformats.org/drawingml/2006/main" xmlns:r="http://schemas.openxmlformats.org/officeDocument/2006/relationships" xmlns:p="http://schemas.openxmlformats.org/presentationml/2006/main">
-  <p:cSld>
-    <p:spTree>
-      <p:nvGrpSpPr>
-        <p:cNvPr id="1" name=""/>
-        <p:cNvGrpSpPr/>
-        <p:nvPr/>
-      </p:nvGrpSpPr>
-      <p:grpSpPr>
-        <a:xfrm>
-          <a:off x="0" y="0"/>
-          <a:ext cx="0" cy="0"/>
-          <a:chOff x="0" y="0"/>
-          <a:chExt cx="0" cy="0"/>
-        </a:xfrm>
-      </p:grpSpPr>
-      <p:sp>
-        <p:nvSpPr>
-          <p:cNvPr id="2" name="Title 1"/>
-          <p:cNvSpPr>
-            <a:spLocks noGrp="1"/>
-          </p:cNvSpPr>
-          <p:nvPr>
-            <p:ph type="title"/>
-          </p:nvPr>
-        </p:nvSpPr>
-        <p:spPr/>
-        <p:txBody>
-          <a:bodyPr/>
-          <a:lstStyle/>
-          <a:p>
-            <a:r>
-              <a:rPr lang="en-US" dirty="0" smtClean="0"/>
-              <a:t>Question</a:t>
-            </a:r>
-            <a:endParaRPr lang="en-US" dirty="0"/>
-          </a:p>
-        </p:txBody>
-      </p:sp>
-      <p:sp>
-        <p:nvSpPr>
-          <p:cNvPr id="3" name="Content Placeholder 2"/>
-          <p:cNvSpPr>
-            <a:spLocks noGrp="1"/>
-          </p:cNvSpPr>
-          <p:nvPr>
-            <p:ph idx="1"/>
-          </p:nvPr>
-        </p:nvSpPr>
-        <p:spPr/>
-        <p:txBody>
-          <a:bodyPr/>
-          <a:lstStyle/>
-          <a:p>
-            <a:r>
-              <a:rPr lang="en-US" dirty="0" smtClean="0"/>
-              <a:t>Write down the html/</a:t>
-            </a:r>
-            <a:r>
-              <a:rPr lang="en-US" dirty="0" err="1" smtClean="0"/>
-              <a:t>css</a:t>
-            </a:r>
-            <a:r>
-              <a:rPr lang="en-US" dirty="0" smtClean="0"/>
-              <a:t> to create the following output:</a:t>
-            </a:r>
-          </a:p>
-          <a:p>
-            <a:pPr>
-              <a:buNone/>
-            </a:pPr>
-            <a:r>
-              <a:rPr lang="en-US" dirty="0" smtClean="0"/>
-              <a:t>   (5 minutes)</a:t>
-            </a:r>
-            <a:endParaRPr lang="en-US" dirty="0"/>
-          </a:p>
-        </p:txBody>
-      </p:sp>
-      <p:pic>
-        <p:nvPicPr>
-          <p:cNvPr id="68610" name="Picture 2"/>
-          <p:cNvPicPr>
-            <a:picLocks noChangeAspect="1" noChangeArrowheads="1"/>
-          </p:cNvPicPr>
-          <p:nvPr/>
-        </p:nvPicPr>
-        <p:blipFill>
-          <a:blip r:embed="rId2"/>
-          <a:srcRect/>
-          <a:stretch>
-            <a:fillRect/>
-          </a:stretch>
-        </p:blipFill>
-        <p:spPr bwMode="auto">
-          <a:xfrm>
-            <a:off x="2590800" y="3810000"/>
-            <a:ext cx="3810000" cy="2095500"/>
-          </a:xfrm>
-          <a:prstGeom prst="rect">
-            <a:avLst/>
-          </a:prstGeom>
-          <a:noFill/>
-          <a:ln w="9525">
-            <a:noFill/>
-            <a:miter lim="800000"/>
-            <a:headEnd/>
-            <a:tailEnd/>
-          </a:ln>
-          <a:effectLst/>
-        </p:spPr>
-      </p:pic>
-    </p:spTree>
-  </p:cSld>
-  <p:clrMapOvr>
-    <a:masterClrMapping/>
-  </p:clrMapOvr>
-</p:sld>
-</file>
-
-<file path=ppt/slides/slide57.xml><?xml version="1.0" encoding="utf-8"?>
-<p:sld xmlns:a="http://schemas.openxmlformats.org/drawingml/2006/main" xmlns:r="http://schemas.openxmlformats.org/officeDocument/2006/relationships" xmlns:p="http://schemas.openxmlformats.org/presentationml/2006/main">
-  <p:cSld>
-    <p:spTree>
-      <p:nvGrpSpPr>
-        <p:cNvPr id="1" name=""/>
-        <p:cNvGrpSpPr/>
-        <p:nvPr/>
-      </p:nvGrpSpPr>
-      <p:grpSpPr>
-        <a:xfrm>
-          <a:off x="0" y="0"/>
-          <a:ext cx="0" cy="0"/>
-          <a:chOff x="0" y="0"/>
-          <a:chExt cx="0" cy="0"/>
-        </a:xfrm>
-      </p:grpSpPr>
-      <p:sp>
-        <p:nvSpPr>
-          <p:cNvPr id="2" name="Title 1"/>
-          <p:cNvSpPr>
-            <a:spLocks noGrp="1"/>
-          </p:cNvSpPr>
-          <p:nvPr>
-            <p:ph type="title"/>
-          </p:nvPr>
-        </p:nvSpPr>
-        <p:spPr/>
-        <p:txBody>
-          <a:bodyPr/>
-          <a:lstStyle/>
-          <a:p>
-            <a:r>
-              <a:rPr lang="en-US" dirty="0" smtClean="0"/>
-              <a:t>Answer</a:t>
-            </a:r>
-            <a:endParaRPr lang="en-US" dirty="0"/>
-          </a:p>
-        </p:txBody>
-      </p:sp>
-      <p:sp>
-        <p:nvSpPr>
-          <p:cNvPr id="3" name="Content Placeholder 2"/>
-          <p:cNvSpPr>
-            <a:spLocks noGrp="1"/>
-          </p:cNvSpPr>
-          <p:nvPr>
-            <p:ph idx="1"/>
-          </p:nvPr>
-        </p:nvSpPr>
-        <p:spPr/>
-        <p:txBody>
-          <a:bodyPr/>
-          <a:lstStyle/>
-          <a:p>
-            <a:endParaRPr lang="en-US"/>
-          </a:p>
-        </p:txBody>
-      </p:sp>
-      <p:pic>
-        <p:nvPicPr>
-          <p:cNvPr id="69634" name="Picture 2"/>
-          <p:cNvPicPr>
-            <a:picLocks noChangeAspect="1" noChangeArrowheads="1"/>
-          </p:cNvPicPr>
-          <p:nvPr/>
-        </p:nvPicPr>
-        <p:blipFill>
-          <a:blip r:embed="rId2"/>
-          <a:srcRect/>
-          <a:stretch>
-            <a:fillRect/>
-          </a:stretch>
-        </p:blipFill>
-        <p:spPr bwMode="auto">
-          <a:xfrm>
-            <a:off x="3276600" y="1981200"/>
-            <a:ext cx="2514600" cy="4171950"/>
-          </a:xfrm>
-          <a:prstGeom prst="rect">
-            <a:avLst/>
-          </a:prstGeom>
-          <a:noFill/>
-          <a:ln w="9525">
-            <a:noFill/>
-            <a:miter lim="800000"/>
-            <a:headEnd/>
-            <a:tailEnd/>
-          </a:ln>
-          <a:effectLst/>
-        </p:spPr>
-      </p:pic>
-    </p:spTree>
-  </p:cSld>
-  <p:clrMapOvr>
-    <a:masterClrMapping/>
-  </p:clrMapOvr>
 </p:sld>
 </file>
 
@@ -42664,13 +42880,8 @@
             </a:pPr>
             <a:r>
               <a:rPr lang="en-GB" dirty="0" smtClean="0"/>
-              <a:t>a) make that specific paragraph </a:t>
-            </a:r>
-            <a:r>
-              <a:rPr lang="en-GB" dirty="0" smtClean="0"/>
-              <a:t>green</a:t>
-            </a:r>
-            <a:endParaRPr lang="en-GB" dirty="0" smtClean="0"/>
+              <a:t>a) make that specific paragraph green</a:t>
+            </a:r>
           </a:p>
           <a:p>
             <a:pPr marL="0" indent="0">
@@ -42691,13 +42902,8 @@
             </a:pPr>
             <a:r>
               <a:rPr lang="en-GB" dirty="0" smtClean="0"/>
-              <a:t>c) </a:t>
-            </a:r>
-            <a:r>
-              <a:rPr lang="en-GB" dirty="0" smtClean="0"/>
-              <a:t>blank screen</a:t>
-            </a:r>
-            <a:endParaRPr lang="en-GB" dirty="0" smtClean="0"/>
+              <a:t>c) blank screen</a:t>
+            </a:r>
           </a:p>
           <a:p>
             <a:pPr marL="0" indent="0">
@@ -42809,11 +43015,7 @@
           <a:p>
             <a:r>
               <a:rPr lang="en-GB" altLang="en-US" dirty="0" smtClean="0"/>
-              <a:t>Answer: </a:t>
-            </a:r>
-            <a:r>
-              <a:rPr lang="en-GB" altLang="en-US" dirty="0" smtClean="0"/>
-              <a:t>d)</a:t>
+              <a:t>Answer: d)</a:t>
             </a:r>
           </a:p>
           <a:p>
@@ -42825,13 +43027,8 @@
             </a:pPr>
             <a:r>
               <a:rPr lang="en-GB" altLang="en-US" dirty="0" smtClean="0"/>
-              <a:t>Text will be displayed without style formatting (i.e., </a:t>
-            </a:r>
-            <a:r>
-              <a:rPr lang="en-GB" altLang="en-US" dirty="0" smtClean="0"/>
-              <a:t>‘Text’) – as the ‘colon :’ is missing</a:t>
-            </a:r>
-            <a:endParaRPr lang="en-GB" altLang="en-US" dirty="0" smtClean="0"/>
+              <a:t>Text will be displayed without style formatting (i.e., ‘Text’) – as the ‘colon :’ is missing</a:t>
+            </a:r>
           </a:p>
         </p:txBody>
       </p:sp>
@@ -42929,11 +43126,7 @@
             </a:r>
             <a:r>
               <a:rPr lang="en-US" altLang="en-US" dirty="0" smtClean="0"/>
-              <a:t>Rollover </a:t>
-            </a:r>
-            <a:r>
-              <a:rPr lang="en-US" altLang="en-US" dirty="0" smtClean="0"/>
-              <a:t>Effect</a:t>
+              <a:t>Rollover Effect</a:t>
             </a:r>
           </a:p>
           <a:p>
